--- a/Final_Results/draft3.pptx
+++ b/Final_Results/draft3.pptx
@@ -7,6 +7,7 @@
   <p:sldIdLst>
     <p:sldId id="256" r:id="rId2"/>
     <p:sldId id="257" r:id="rId3"/>
+    <p:sldId id="258" r:id="rId4"/>
   </p:sldIdLst>
   <p:sldSz cx="12192000" cy="6858000"/>
   <p:notesSz cx="6858000" cy="9144000"/>
@@ -105,6 +106,11 @@
       </a:defRPr>
     </a:lvl9pPr>
   </p:defaultTextStyle>
+  <p:extLst>
+    <p:ext uri="{EFAFB233-063F-42B5-8137-9DF3F51BA10A}">
+      <p15:sldGuideLst xmlns:p15="http://schemas.microsoft.com/office/powerpoint/2012/main"/>
+    </p:ext>
+  </p:extLst>
 </p:presentation>
 </file>
 
@@ -3876,7 +3882,7 @@
               </a:lnSpc>
             </a:pPr>
             <a:r>
-              <a:rPr lang="en-US">
+              <a:rPr lang="en-US" dirty="0">
                 <a:solidFill>
                   <a:srgbClr val="FFFFFF"/>
                 </a:solidFill>
@@ -3891,12 +3897,44 @@
               </a:lnSpc>
             </a:pPr>
             <a:r>
-              <a:rPr lang="en-US">
+              <a:rPr lang="en-US" b="1" dirty="0">
                 <a:solidFill>
                   <a:srgbClr val="FFFFFF"/>
                 </a:solidFill>
               </a:rPr>
-              <a:t>Shubhangi Waldiya, Ami Rajesh, Mariia Nikitash, Itzalen Lopez</a:t>
+              <a:t>Shubhangi Waldiya, Ami Rajesh, Mariia </a:t>
+            </a:r>
+            <a:r>
+              <a:rPr lang="en-US" b="1" dirty="0" err="1">
+                <a:solidFill>
+                  <a:srgbClr val="FFFFFF"/>
+                </a:solidFill>
+              </a:rPr>
+              <a:t>Nikitash</a:t>
+            </a:r>
+            <a:r>
+              <a:rPr lang="en-US" b="1" dirty="0">
+                <a:solidFill>
+                  <a:srgbClr val="FFFFFF"/>
+                </a:solidFill>
+              </a:rPr>
+              <a:t>, </a:t>
+            </a:r>
+            <a:r>
+              <a:rPr lang="en-US" b="1" dirty="0" err="1">
+                <a:solidFill>
+                  <a:srgbClr val="FFFFFF"/>
+                </a:solidFill>
+              </a:rPr>
+              <a:t>Itzalen</a:t>
+            </a:r>
+            <a:r>
+              <a:rPr lang="en-US" b="1" dirty="0">
+                <a:solidFill>
+                  <a:srgbClr val="FFFFFF"/>
+                </a:solidFill>
+              </a:rPr>
+              <a:t> Lopez</a:t>
             </a:r>
           </a:p>
         </p:txBody>
@@ -4004,7 +4042,23 @@
           <a:bodyPr/>
           <a:lstStyle/>
           <a:p>
-            <a:endParaRPr lang="en-US"/>
+            <a:r>
+              <a:rPr lang="en-US" dirty="0"/>
+              <a:t>Introduction to </a:t>
+            </a:r>
+            <a:r>
+              <a:rPr lang="en-US" dirty="0" err="1"/>
+              <a:t>WiDS</a:t>
+            </a:r>
+            <a:r>
+              <a:rPr lang="en-US" dirty="0"/>
+              <a:t> </a:t>
+            </a:r>
+            <a:r>
+              <a:rPr lang="en-US" dirty="0" err="1"/>
+              <a:t>Datathon</a:t>
+            </a:r>
+            <a:endParaRPr lang="en-US" dirty="0"/>
           </a:p>
         </p:txBody>
       </p:sp>
@@ -4026,8 +4080,86 @@
         </p:nvSpPr>
         <p:spPr/>
         <p:txBody>
-          <a:bodyPr/>
-          <a:lstStyle/>
+          <a:bodyPr>
+            <a:normAutofit/>
+          </a:bodyPr>
+          <a:lstStyle/>
+          <a:p>
+            <a:r>
+              <a:rPr lang="en-US" dirty="0"/>
+              <a:t>This is a </a:t>
+            </a:r>
+            <a:r>
+              <a:rPr lang="en-US" dirty="0" err="1"/>
+              <a:t>datathon</a:t>
+            </a:r>
+            <a:r>
+              <a:rPr lang="en-US" dirty="0"/>
+              <a:t> hosted on Kaggle (</a:t>
+            </a:r>
+            <a:r>
+              <a:rPr lang="en-US" sz="2000" dirty="0">
+                <a:hlinkClick r:id="rId2"/>
+              </a:rPr>
+              <a:t>https://www.kaggle.com/competitions/widsdatathon2025/overview</a:t>
+            </a:r>
+            <a:r>
+              <a:rPr lang="en-US" sz="2000" dirty="0"/>
+              <a:t>)</a:t>
+            </a:r>
+          </a:p>
+          <a:p>
+            <a:r>
+              <a:rPr lang="en-US" dirty="0"/>
+              <a:t>We competed as a team through the Break Through Tech AI program at UCLA </a:t>
+            </a:r>
+          </a:p>
+          <a:p>
+            <a:r>
+              <a:rPr lang="en-US" b="1" dirty="0"/>
+              <a:t>Goal</a:t>
+            </a:r>
+            <a:r>
+              <a:rPr lang="en-US" dirty="0"/>
+              <a:t>: to build a model to predict an individual’s sex and their ADHD diagnosis using functional </a:t>
+            </a:r>
+            <a:r>
+              <a:rPr lang="en-US" dirty="0" err="1"/>
+              <a:t>functional</a:t>
+            </a:r>
+            <a:r>
+              <a:rPr lang="en-US" dirty="0"/>
+              <a:t> brain imaging data of children and adolescents and their socio-demographic, emotions, and parenting information</a:t>
+            </a:r>
+          </a:p>
+          <a:p>
+            <a:r>
+              <a:rPr lang="en-US" b="1" dirty="0"/>
+              <a:t>Target variables: </a:t>
+            </a:r>
+          </a:p>
+          <a:p>
+            <a:pPr lvl="1"/>
+            <a:r>
+              <a:rPr lang="en-US" altLang="en-US" dirty="0" err="1"/>
+              <a:t>ADHD_Outcome</a:t>
+            </a:r>
+            <a:r>
+              <a:rPr lang="en-US" altLang="en-US" dirty="0"/>
+              <a:t>: Type of Diagnosis (0=Other/None, 1=ADHD)</a:t>
+            </a:r>
+            <a:br>
+              <a:rPr lang="en-US" altLang="en-US" dirty="0"/>
+            </a:br>
+            <a:r>
+              <a:rPr lang="en-US" altLang="en-US" dirty="0" err="1"/>
+              <a:t>Sex_F</a:t>
+            </a:r>
+            <a:r>
+              <a:rPr lang="en-US" altLang="en-US" dirty="0"/>
+              <a:t>: Sex of participant (0=Male, 1=Female) </a:t>
+            </a:r>
+          </a:p>
           <a:p>
             <a:endParaRPr lang="en-US" dirty="0"/>
           </a:p>
@@ -4037,6 +4169,137 @@
     <p:extLst>
       <p:ext uri="{BB962C8B-B14F-4D97-AF65-F5344CB8AC3E}">
         <p14:creationId xmlns:p14="http://schemas.microsoft.com/office/powerpoint/2010/main" val="247107967"/>
+      </p:ext>
+    </p:extLst>
+  </p:cSld>
+  <p:clrMapOvr>
+    <a:masterClrMapping/>
+  </p:clrMapOvr>
+</p:sld>
+</file>
+
+<file path=ppt/slides/slide3.xml><?xml version="1.0" encoding="utf-8"?>
+<p:sld xmlns:a="http://schemas.openxmlformats.org/drawingml/2006/main" xmlns:r="http://schemas.openxmlformats.org/officeDocument/2006/relationships" xmlns:p="http://schemas.openxmlformats.org/presentationml/2006/main">
+  <p:cSld>
+    <p:spTree>
+      <p:nvGrpSpPr>
+        <p:cNvPr id="1" name=""/>
+        <p:cNvGrpSpPr/>
+        <p:nvPr/>
+      </p:nvGrpSpPr>
+      <p:grpSpPr>
+        <a:xfrm>
+          <a:off x="0" y="0"/>
+          <a:ext cx="0" cy="0"/>
+          <a:chOff x="0" y="0"/>
+          <a:chExt cx="0" cy="0"/>
+        </a:xfrm>
+      </p:grpSpPr>
+      <p:sp>
+        <p:nvSpPr>
+          <p:cNvPr id="2" name="Title 1">
+            <a:extLst>
+              <a:ext uri="{FF2B5EF4-FFF2-40B4-BE49-F238E27FC236}">
+                <a16:creationId xmlns:a16="http://schemas.microsoft.com/office/drawing/2014/main" id="{7C4B777F-AD27-83EE-C6C6-24252D657793}"/>
+              </a:ext>
+            </a:extLst>
+          </p:cNvPr>
+          <p:cNvSpPr>
+            <a:spLocks noGrp="1"/>
+          </p:cNvSpPr>
+          <p:nvPr>
+            <p:ph type="title"/>
+          </p:nvPr>
+        </p:nvSpPr>
+        <p:spPr/>
+        <p:txBody>
+          <a:bodyPr/>
+          <a:lstStyle/>
+          <a:p>
+            <a:r>
+              <a:rPr lang="en-US" dirty="0"/>
+              <a:t>Preliminary Planning</a:t>
+            </a:r>
+          </a:p>
+        </p:txBody>
+      </p:sp>
+      <p:sp>
+        <p:nvSpPr>
+          <p:cNvPr id="3" name="Content Placeholder 2">
+            <a:extLst>
+              <a:ext uri="{FF2B5EF4-FFF2-40B4-BE49-F238E27FC236}">
+                <a16:creationId xmlns:a16="http://schemas.microsoft.com/office/drawing/2014/main" id="{D2DE94E5-5FB9-F19F-60DA-EA4D19F93445}"/>
+              </a:ext>
+            </a:extLst>
+          </p:cNvPr>
+          <p:cNvSpPr>
+            <a:spLocks noGrp="1"/>
+          </p:cNvSpPr>
+          <p:nvPr>
+            <p:ph sz="half" idx="1"/>
+          </p:nvPr>
+        </p:nvSpPr>
+        <p:spPr/>
+        <p:txBody>
+          <a:bodyPr/>
+          <a:lstStyle/>
+          <a:p>
+            <a:r>
+              <a:rPr lang="en-US" dirty="0"/>
+              <a:t>We created an </a:t>
+            </a:r>
+            <a:r>
+              <a:rPr lang="en-US"/>
+              <a:t>initial project plan on Notion (</a:t>
+            </a:r>
+            <a:r>
+              <a:rPr lang="en-US">
+                <a:hlinkClick r:id="rId2"/>
+              </a:rPr>
+              <a:t>https://www.notion.so/Spring-AI-Studio-Sprint-Planning-1865e0fb585080d8a089e92641db6bd2</a:t>
+            </a:r>
+            <a:r>
+              <a:rPr lang="en-US"/>
+              <a:t>)</a:t>
+            </a:r>
+          </a:p>
+          <a:p>
+            <a:endParaRPr lang="en-US" dirty="0"/>
+          </a:p>
+          <a:p>
+            <a:endParaRPr lang="en-US" dirty="0"/>
+          </a:p>
+        </p:txBody>
+      </p:sp>
+      <p:sp>
+        <p:nvSpPr>
+          <p:cNvPr id="4" name="Content Placeholder 3">
+            <a:extLst>
+              <a:ext uri="{FF2B5EF4-FFF2-40B4-BE49-F238E27FC236}">
+                <a16:creationId xmlns:a16="http://schemas.microsoft.com/office/drawing/2014/main" id="{F4A596B4-6812-8D4F-A492-933231D1D838}"/>
+              </a:ext>
+            </a:extLst>
+          </p:cNvPr>
+          <p:cNvSpPr>
+            <a:spLocks noGrp="1"/>
+          </p:cNvSpPr>
+          <p:nvPr>
+            <p:ph sz="half" idx="2"/>
+          </p:nvPr>
+        </p:nvSpPr>
+        <p:spPr/>
+        <p:txBody>
+          <a:bodyPr/>
+          <a:lstStyle/>
+          <a:p>
+            <a:endParaRPr lang="en-US"/>
+          </a:p>
+        </p:txBody>
+      </p:sp>
+    </p:spTree>
+    <p:extLst>
+      <p:ext uri="{BB962C8B-B14F-4D97-AF65-F5344CB8AC3E}">
+        <p14:creationId xmlns:p14="http://schemas.microsoft.com/office/powerpoint/2010/main" val="1296522678"/>
       </p:ext>
     </p:extLst>
   </p:cSld>
